--- a/app/src/main/res/raw/heroes3/Flow.pptx
+++ b/app/src/main/res/raw/heroes3/Flow.pptx
@@ -6,6 +6,7 @@
   </p:sldMasterIdLst>
   <p:sldIdLst>
     <p:sldId id="256" r:id="rId2"/>
+    <p:sldId id="257" r:id="rId3"/>
   </p:sldIdLst>
   <p:sldSz cx="12192000" cy="6858000"/>
   <p:notesSz cx="6858000" cy="9144000"/>
@@ -104,6 +105,11 @@
       </a:defRPr>
     </a:lvl9pPr>
   </p:defaultTextStyle>
+  <p:extLst>
+    <p:ext uri="{EFAFB233-063F-42B5-8137-9DF3F51BA10A}">
+      <p15:sldGuideLst xmlns:p15="http://schemas.microsoft.com/office/powerpoint/2012/main"/>
+    </p:ext>
+  </p:extLst>
 </p:presentation>
 </file>
 
@@ -254,7 +260,7 @@
           <a:p>
             <a:fld id="{DE8C131D-8990-405A-A723-EDB672E68B34}" type="datetimeFigureOut">
               <a:rPr lang="en-US" smtClean="0"/>
-              <a:t>2018-08-26</a:t>
+              <a:t>2018-09-11</a:t>
             </a:fld>
             <a:endParaRPr lang="en-US"/>
           </a:p>
@@ -452,7 +458,7 @@
           <a:p>
             <a:fld id="{DE8C131D-8990-405A-A723-EDB672E68B34}" type="datetimeFigureOut">
               <a:rPr lang="en-US" smtClean="0"/>
-              <a:t>2018-08-26</a:t>
+              <a:t>2018-09-11</a:t>
             </a:fld>
             <a:endParaRPr lang="en-US"/>
           </a:p>
@@ -660,7 +666,7 @@
           <a:p>
             <a:fld id="{DE8C131D-8990-405A-A723-EDB672E68B34}" type="datetimeFigureOut">
               <a:rPr lang="en-US" smtClean="0"/>
-              <a:t>2018-08-26</a:t>
+              <a:t>2018-09-11</a:t>
             </a:fld>
             <a:endParaRPr lang="en-US"/>
           </a:p>
@@ -858,7 +864,7 @@
           <a:p>
             <a:fld id="{DE8C131D-8990-405A-A723-EDB672E68B34}" type="datetimeFigureOut">
               <a:rPr lang="en-US" smtClean="0"/>
-              <a:t>2018-08-26</a:t>
+              <a:t>2018-09-11</a:t>
             </a:fld>
             <a:endParaRPr lang="en-US"/>
           </a:p>
@@ -1133,7 +1139,7 @@
           <a:p>
             <a:fld id="{DE8C131D-8990-405A-A723-EDB672E68B34}" type="datetimeFigureOut">
               <a:rPr lang="en-US" smtClean="0"/>
-              <a:t>2018-08-26</a:t>
+              <a:t>2018-09-11</a:t>
             </a:fld>
             <a:endParaRPr lang="en-US"/>
           </a:p>
@@ -1398,7 +1404,7 @@
           <a:p>
             <a:fld id="{DE8C131D-8990-405A-A723-EDB672E68B34}" type="datetimeFigureOut">
               <a:rPr lang="en-US" smtClean="0"/>
-              <a:t>2018-08-26</a:t>
+              <a:t>2018-09-11</a:t>
             </a:fld>
             <a:endParaRPr lang="en-US"/>
           </a:p>
@@ -1810,7 +1816,7 @@
           <a:p>
             <a:fld id="{DE8C131D-8990-405A-A723-EDB672E68B34}" type="datetimeFigureOut">
               <a:rPr lang="en-US" smtClean="0"/>
-              <a:t>2018-08-26</a:t>
+              <a:t>2018-09-11</a:t>
             </a:fld>
             <a:endParaRPr lang="en-US"/>
           </a:p>
@@ -1951,7 +1957,7 @@
           <a:p>
             <a:fld id="{DE8C131D-8990-405A-A723-EDB672E68B34}" type="datetimeFigureOut">
               <a:rPr lang="en-US" smtClean="0"/>
-              <a:t>2018-08-26</a:t>
+              <a:t>2018-09-11</a:t>
             </a:fld>
             <a:endParaRPr lang="en-US"/>
           </a:p>
@@ -2064,7 +2070,7 @@
           <a:p>
             <a:fld id="{DE8C131D-8990-405A-A723-EDB672E68B34}" type="datetimeFigureOut">
               <a:rPr lang="en-US" smtClean="0"/>
-              <a:t>2018-08-26</a:t>
+              <a:t>2018-09-11</a:t>
             </a:fld>
             <a:endParaRPr lang="en-US"/>
           </a:p>
@@ -2375,7 +2381,7 @@
           <a:p>
             <a:fld id="{DE8C131D-8990-405A-A723-EDB672E68B34}" type="datetimeFigureOut">
               <a:rPr lang="en-US" smtClean="0"/>
-              <a:t>2018-08-26</a:t>
+              <a:t>2018-09-11</a:t>
             </a:fld>
             <a:endParaRPr lang="en-US"/>
           </a:p>
@@ -2663,7 +2669,7 @@
           <a:p>
             <a:fld id="{DE8C131D-8990-405A-A723-EDB672E68B34}" type="datetimeFigureOut">
               <a:rPr lang="en-US" smtClean="0"/>
-              <a:t>2018-08-26</a:t>
+              <a:t>2018-09-11</a:t>
             </a:fld>
             <a:endParaRPr lang="en-US"/>
           </a:p>
@@ -2904,7 +2910,7 @@
           <a:p>
             <a:fld id="{DE8C131D-8990-405A-A723-EDB672E68B34}" type="datetimeFigureOut">
               <a:rPr lang="en-US" smtClean="0"/>
-              <a:t>2018-08-26</a:t>
+              <a:t>2018-09-11</a:t>
             </a:fld>
             <a:endParaRPr lang="en-US"/>
           </a:p>
@@ -5003,6 +5009,390 @@
 </p:sld>
 </file>
 
+<file path=ppt/slides/slide2.xml><?xml version="1.0" encoding="utf-8"?>
+<p:sld xmlns:a="http://schemas.openxmlformats.org/drawingml/2006/main" xmlns:r="http://schemas.openxmlformats.org/officeDocument/2006/relationships" xmlns:p="http://schemas.openxmlformats.org/presentationml/2006/main">
+  <p:cSld>
+    <p:spTree>
+      <p:nvGrpSpPr>
+        <p:cNvPr id="1" name=""/>
+        <p:cNvGrpSpPr/>
+        <p:nvPr/>
+      </p:nvGrpSpPr>
+      <p:grpSpPr>
+        <a:xfrm>
+          <a:off x="0" y="0"/>
+          <a:ext cx="0" cy="0"/>
+          <a:chOff x="0" y="0"/>
+          <a:chExt cx="0" cy="0"/>
+        </a:xfrm>
+      </p:grpSpPr>
+      <p:sp>
+        <p:nvSpPr>
+          <p:cNvPr id="4" name="Rectangle 3">
+            <a:extLst>
+              <a:ext uri="{FF2B5EF4-FFF2-40B4-BE49-F238E27FC236}">
+                <a16:creationId xmlns:a16="http://schemas.microsoft.com/office/drawing/2014/main" id="{12FF36BE-4725-4CA2-9CBC-E5117A0FDCBE}"/>
+              </a:ext>
+            </a:extLst>
+          </p:cNvPr>
+          <p:cNvSpPr/>
+          <p:nvPr/>
+        </p:nvSpPr>
+        <p:spPr>
+          <a:xfrm>
+            <a:off x="146957" y="131717"/>
+            <a:ext cx="1711234" cy="525508"/>
+          </a:xfrm>
+          <a:prstGeom prst="rect">
+            <a:avLst/>
+          </a:prstGeom>
+          <a:ln>
+            <a:solidFill>
+              <a:schemeClr val="tx1"/>
+            </a:solidFill>
+          </a:ln>
+        </p:spPr>
+        <p:style>
+          <a:lnRef idx="2">
+            <a:schemeClr val="accent1">
+              <a:shade val="50000"/>
+            </a:schemeClr>
+          </a:lnRef>
+          <a:fillRef idx="1">
+            <a:schemeClr val="accent1"/>
+          </a:fillRef>
+          <a:effectRef idx="0">
+            <a:schemeClr val="accent1"/>
+          </a:effectRef>
+          <a:fontRef idx="minor">
+            <a:schemeClr val="lt1"/>
+          </a:fontRef>
+        </p:style>
+        <p:txBody>
+          <a:bodyPr rtlCol="0" anchor="ctr"/>
+          <a:lstStyle/>
+          <a:p>
+            <a:pPr algn="ctr"/>
+            <a:r>
+              <a:rPr lang="en-US" altLang="zh-CN" sz="1400" dirty="0"/>
+              <a:t>Place Units</a:t>
+            </a:r>
+            <a:endParaRPr lang="en-US" sz="1400" dirty="0"/>
+          </a:p>
+        </p:txBody>
+      </p:sp>
+      <p:sp>
+        <p:nvSpPr>
+          <p:cNvPr id="5" name="Rectangle 4">
+            <a:extLst>
+              <a:ext uri="{FF2B5EF4-FFF2-40B4-BE49-F238E27FC236}">
+                <a16:creationId xmlns:a16="http://schemas.microsoft.com/office/drawing/2014/main" id="{8F4DE11B-3EA0-47D9-827A-E1AD688FC59E}"/>
+              </a:ext>
+            </a:extLst>
+          </p:cNvPr>
+          <p:cNvSpPr/>
+          <p:nvPr/>
+        </p:nvSpPr>
+        <p:spPr>
+          <a:xfrm>
+            <a:off x="2116127" y="131717"/>
+            <a:ext cx="1711234" cy="525508"/>
+          </a:xfrm>
+          <a:prstGeom prst="rect">
+            <a:avLst/>
+          </a:prstGeom>
+          <a:ln>
+            <a:solidFill>
+              <a:schemeClr val="tx1"/>
+            </a:solidFill>
+          </a:ln>
+        </p:spPr>
+        <p:style>
+          <a:lnRef idx="2">
+            <a:schemeClr val="accent1">
+              <a:shade val="50000"/>
+            </a:schemeClr>
+          </a:lnRef>
+          <a:fillRef idx="1">
+            <a:schemeClr val="accent1"/>
+          </a:fillRef>
+          <a:effectRef idx="0">
+            <a:schemeClr val="accent1"/>
+          </a:effectRef>
+          <a:fontRef idx="minor">
+            <a:schemeClr val="lt1"/>
+          </a:fontRef>
+        </p:style>
+        <p:txBody>
+          <a:bodyPr rtlCol="0" anchor="ctr"/>
+          <a:lstStyle/>
+          <a:p>
+            <a:pPr algn="ctr"/>
+            <a:r>
+              <a:rPr lang="en-US" altLang="zh-CN" sz="1400" dirty="0"/>
+              <a:t>Place Field Objects</a:t>
+            </a:r>
+            <a:endParaRPr lang="en-US" sz="1400" dirty="0"/>
+          </a:p>
+        </p:txBody>
+      </p:sp>
+      <p:cxnSp>
+        <p:nvCxnSpPr>
+          <p:cNvPr id="7" name="Straight Arrow Connector 6">
+            <a:extLst>
+              <a:ext uri="{FF2B5EF4-FFF2-40B4-BE49-F238E27FC236}">
+                <a16:creationId xmlns:a16="http://schemas.microsoft.com/office/drawing/2014/main" id="{3903EC5E-035D-440D-BE62-F2732B97FCC9}"/>
+              </a:ext>
+            </a:extLst>
+          </p:cNvPr>
+          <p:cNvCxnSpPr>
+            <a:stCxn id="4" idx="3"/>
+            <a:endCxn id="5" idx="1"/>
+          </p:cNvCxnSpPr>
+          <p:nvPr/>
+        </p:nvCxnSpPr>
+        <p:spPr>
+          <a:xfrm>
+            <a:off x="1858191" y="394471"/>
+            <a:ext cx="257936" cy="0"/>
+          </a:xfrm>
+          <a:prstGeom prst="straightConnector1">
+            <a:avLst/>
+          </a:prstGeom>
+          <a:ln>
+            <a:tailEnd type="triangle"/>
+          </a:ln>
+        </p:spPr>
+        <p:style>
+          <a:lnRef idx="1">
+            <a:schemeClr val="accent1"/>
+          </a:lnRef>
+          <a:fillRef idx="0">
+            <a:schemeClr val="accent1"/>
+          </a:fillRef>
+          <a:effectRef idx="0">
+            <a:schemeClr val="accent1"/>
+          </a:effectRef>
+          <a:fontRef idx="minor">
+            <a:schemeClr val="tx1"/>
+          </a:fontRef>
+        </p:style>
+      </p:cxnSp>
+      <p:sp>
+        <p:nvSpPr>
+          <p:cNvPr id="8" name="Rectangle 7">
+            <a:extLst>
+              <a:ext uri="{FF2B5EF4-FFF2-40B4-BE49-F238E27FC236}">
+                <a16:creationId xmlns:a16="http://schemas.microsoft.com/office/drawing/2014/main" id="{D1EE71EE-9E54-4C11-9944-CBB7E90AA0FA}"/>
+              </a:ext>
+            </a:extLst>
+          </p:cNvPr>
+          <p:cNvSpPr/>
+          <p:nvPr/>
+        </p:nvSpPr>
+        <p:spPr>
+          <a:xfrm>
+            <a:off x="4085297" y="131717"/>
+            <a:ext cx="1711234" cy="525508"/>
+          </a:xfrm>
+          <a:prstGeom prst="rect">
+            <a:avLst/>
+          </a:prstGeom>
+          <a:ln>
+            <a:solidFill>
+              <a:schemeClr val="tx1"/>
+            </a:solidFill>
+          </a:ln>
+        </p:spPr>
+        <p:style>
+          <a:lnRef idx="2">
+            <a:schemeClr val="accent1">
+              <a:shade val="50000"/>
+            </a:schemeClr>
+          </a:lnRef>
+          <a:fillRef idx="1">
+            <a:schemeClr val="accent1"/>
+          </a:fillRef>
+          <a:effectRef idx="0">
+            <a:schemeClr val="accent1"/>
+          </a:effectRef>
+          <a:fontRef idx="minor">
+            <a:schemeClr val="lt1"/>
+          </a:fontRef>
+        </p:style>
+        <p:txBody>
+          <a:bodyPr rtlCol="0" anchor="ctr"/>
+          <a:lstStyle/>
+          <a:p>
+            <a:pPr algn="ctr"/>
+            <a:r>
+              <a:rPr lang="en-US" altLang="zh-CN" sz="1400" dirty="0"/>
+              <a:t>Check Tactics</a:t>
+            </a:r>
+            <a:endParaRPr lang="en-US" sz="1400" dirty="0"/>
+          </a:p>
+        </p:txBody>
+      </p:sp>
+      <p:cxnSp>
+        <p:nvCxnSpPr>
+          <p:cNvPr id="9" name="Straight Arrow Connector 8">
+            <a:extLst>
+              <a:ext uri="{FF2B5EF4-FFF2-40B4-BE49-F238E27FC236}">
+                <a16:creationId xmlns:a16="http://schemas.microsoft.com/office/drawing/2014/main" id="{BF862BA9-0207-4E58-8D80-25AE98C3E63B}"/>
+              </a:ext>
+            </a:extLst>
+          </p:cNvPr>
+          <p:cNvCxnSpPr>
+            <a:cxnSpLocks/>
+            <a:stCxn id="5" idx="3"/>
+            <a:endCxn id="8" idx="1"/>
+          </p:cNvCxnSpPr>
+          <p:nvPr/>
+        </p:nvCxnSpPr>
+        <p:spPr>
+          <a:xfrm>
+            <a:off x="3827361" y="394471"/>
+            <a:ext cx="257936" cy="0"/>
+          </a:xfrm>
+          <a:prstGeom prst="straightConnector1">
+            <a:avLst/>
+          </a:prstGeom>
+          <a:ln>
+            <a:tailEnd type="triangle"/>
+          </a:ln>
+        </p:spPr>
+        <p:style>
+          <a:lnRef idx="1">
+            <a:schemeClr val="accent1"/>
+          </a:lnRef>
+          <a:fillRef idx="0">
+            <a:schemeClr val="accent1"/>
+          </a:fillRef>
+          <a:effectRef idx="0">
+            <a:schemeClr val="accent1"/>
+          </a:effectRef>
+          <a:fontRef idx="minor">
+            <a:schemeClr val="tx1"/>
+          </a:fontRef>
+        </p:style>
+      </p:cxnSp>
+      <p:sp>
+        <p:nvSpPr>
+          <p:cNvPr id="12" name="Rectangle 11">
+            <a:extLst>
+              <a:ext uri="{FF2B5EF4-FFF2-40B4-BE49-F238E27FC236}">
+                <a16:creationId xmlns:a16="http://schemas.microsoft.com/office/drawing/2014/main" id="{1ABCB834-3404-44DA-A182-749F572CA92F}"/>
+              </a:ext>
+            </a:extLst>
+          </p:cNvPr>
+          <p:cNvSpPr/>
+          <p:nvPr/>
+        </p:nvSpPr>
+        <p:spPr>
+          <a:xfrm>
+            <a:off x="6845969" y="131717"/>
+            <a:ext cx="1711234" cy="525508"/>
+          </a:xfrm>
+          <a:prstGeom prst="rect">
+            <a:avLst/>
+          </a:prstGeom>
+          <a:ln>
+            <a:solidFill>
+              <a:schemeClr val="tx1"/>
+            </a:solidFill>
+          </a:ln>
+        </p:spPr>
+        <p:style>
+          <a:lnRef idx="2">
+            <a:schemeClr val="accent1">
+              <a:shade val="50000"/>
+            </a:schemeClr>
+          </a:lnRef>
+          <a:fillRef idx="1">
+            <a:schemeClr val="accent1"/>
+          </a:fillRef>
+          <a:effectRef idx="0">
+            <a:schemeClr val="accent1"/>
+          </a:effectRef>
+          <a:fontRef idx="minor">
+            <a:schemeClr val="lt1"/>
+          </a:fontRef>
+        </p:style>
+        <p:txBody>
+          <a:bodyPr rtlCol="0" anchor="ctr"/>
+          <a:lstStyle/>
+          <a:p>
+            <a:pPr algn="ctr"/>
+            <a:r>
+              <a:rPr lang="en-US" altLang="zh-CN" sz="1400" dirty="0"/>
+              <a:t>Set Tactic</a:t>
+            </a:r>
+            <a:endParaRPr lang="en-US" sz="1400" dirty="0"/>
+          </a:p>
+        </p:txBody>
+      </p:sp>
+      <p:sp>
+        <p:nvSpPr>
+          <p:cNvPr id="16" name="Arrow: Right 15">
+            <a:extLst>
+              <a:ext uri="{FF2B5EF4-FFF2-40B4-BE49-F238E27FC236}">
+                <a16:creationId xmlns:a16="http://schemas.microsoft.com/office/drawing/2014/main" id="{7F50FBDC-57A9-487A-8314-AF824BA4B974}"/>
+              </a:ext>
+            </a:extLst>
+          </p:cNvPr>
+          <p:cNvSpPr/>
+          <p:nvPr/>
+        </p:nvSpPr>
+        <p:spPr>
+          <a:xfrm>
+            <a:off x="5796531" y="240234"/>
+            <a:ext cx="1049438" cy="308473"/>
+          </a:xfrm>
+          <a:prstGeom prst="rightArrow">
+            <a:avLst/>
+          </a:prstGeom>
+        </p:spPr>
+        <p:style>
+          <a:lnRef idx="2">
+            <a:schemeClr val="accent1">
+              <a:shade val="50000"/>
+            </a:schemeClr>
+          </a:lnRef>
+          <a:fillRef idx="1">
+            <a:schemeClr val="accent1"/>
+          </a:fillRef>
+          <a:effectRef idx="0">
+            <a:schemeClr val="accent1"/>
+          </a:effectRef>
+          <a:fontRef idx="minor">
+            <a:schemeClr val="lt1"/>
+          </a:fontRef>
+        </p:style>
+        <p:txBody>
+          <a:bodyPr rtlCol="0" anchor="ctr"/>
+          <a:lstStyle/>
+          <a:p>
+            <a:pPr algn="ctr"/>
+            <a:r>
+              <a:rPr lang="en-US" sz="1100" dirty="0"/>
+              <a:t>Tactics Exists</a:t>
+            </a:r>
+          </a:p>
+        </p:txBody>
+      </p:sp>
+    </p:spTree>
+    <p:extLst>
+      <p:ext uri="{BB962C8B-B14F-4D97-AF65-F5344CB8AC3E}">
+        <p14:creationId xmlns:p14="http://schemas.microsoft.com/office/powerpoint/2010/main" val="3481735447"/>
+      </p:ext>
+    </p:extLst>
+  </p:cSld>
+  <p:clrMapOvr>
+    <a:masterClrMapping/>
+  </p:clrMapOvr>
+</p:sld>
+</file>
+
 <file path=ppt/theme/theme1.xml><?xml version="1.0" encoding="utf-8"?>
 <a:theme xmlns:a="http://schemas.openxmlformats.org/drawingml/2006/main" name="Office Theme">
   <a:themeElements>
